--- a/Presentación Sem 7 - 2011.2/ANOCFAP-[Presentación Final v3.0].pptx
+++ b/Presentación Sem 7 - 2011.2/ANOCFAP-[Presentación Final v3.0].pptx
@@ -9058,27 +9058,27 @@
     </dgm:pt>
   </dgm:ptLst>
   <dgm:cxnLst>
+    <dgm:cxn modelId="{A6CA14D9-E28D-4656-9850-FF658776B098}" srcId="{D6FA47E8-581E-49CD-8BF2-0C2FC83C6702}" destId="{3C242284-50C7-4B9D-A866-0CF057E23FB1}" srcOrd="2" destOrd="0" parTransId="{7F4B0401-3D50-4529-80A3-9173F737A4E4}" sibTransId="{C850BB20-CD5D-409B-8DF8-9BF0B1D4CA86}"/>
+    <dgm:cxn modelId="{82A24A0E-442C-47BE-AA56-293A72464F5A}" srcId="{D6FA47E8-581E-49CD-8BF2-0C2FC83C6702}" destId="{222CCE41-CD7C-4A1C-A492-1640D38FB7C9}" srcOrd="3" destOrd="0" parTransId="{A499ABCA-9A3B-438C-9D65-A495CA0E6706}" sibTransId="{9E6754DF-F071-4FF3-AAC0-4DD6B5D2280C}"/>
+    <dgm:cxn modelId="{DC0C25C4-775E-41FE-82EF-3A8EC916671B}" type="presOf" srcId="{D6FA47E8-581E-49CD-8BF2-0C2FC83C6702}" destId="{C9937954-5D73-4A53-B904-8B3994A115AB}" srcOrd="0" destOrd="0" presId="urn:microsoft.com/office/officeart/2009/3/layout/IncreasingArrowsProcess"/>
+    <dgm:cxn modelId="{6B71FD01-2F2F-41AE-85AE-049E20F85889}" srcId="{222CCE41-CD7C-4A1C-A492-1640D38FB7C9}" destId="{03624C03-41C3-4954-BD35-C9F749B3846D}" srcOrd="0" destOrd="0" parTransId="{36660AB6-62A8-408B-B568-81773DEA2F72}" sibTransId="{FA957721-AF25-4951-9B66-B05D08460A52}"/>
+    <dgm:cxn modelId="{A93EC9CC-4C42-4A0D-919E-FCB709E1243F}" type="presOf" srcId="{630B9A79-0F13-4A68-83A2-350249367D77}" destId="{8EC5CADF-EF7E-4F27-8E65-EA96A7B9A71D}" srcOrd="0" destOrd="0" presId="urn:microsoft.com/office/officeart/2009/3/layout/IncreasingArrowsProcess"/>
+    <dgm:cxn modelId="{067C3729-7CBB-4FFE-86CC-2AA4BE29DC5D}" srcId="{D6FA47E8-581E-49CD-8BF2-0C2FC83C6702}" destId="{5885A5C4-3C2F-45E7-8FDF-08267A4424FC}" srcOrd="4" destOrd="0" parTransId="{04ACBFD8-E5A0-4211-979B-686E0D6BD476}" sibTransId="{9606F468-582C-48C8-8E22-EF5FC461BD33}"/>
+    <dgm:cxn modelId="{F9FEE89B-3206-4245-9C61-5AD4C0AFB9D3}" srcId="{D6FA47E8-581E-49CD-8BF2-0C2FC83C6702}" destId="{A9B43EF2-383C-470D-B7F3-05BC1073C854}" srcOrd="0" destOrd="0" parTransId="{7FBB1A13-D1AE-419D-B60B-0A43A1562DE9}" sibTransId="{68D2ECDC-33C5-477C-BF95-98FBC427614A}"/>
+    <dgm:cxn modelId="{6BE0DF05-6402-4AA9-9CC9-EC7A1AE9FB26}" type="presOf" srcId="{B083A370-B684-440C-B12C-B4E71894054A}" destId="{4967F57D-5DA8-4AD5-9546-F790B1E1FA0A}" srcOrd="0" destOrd="0" presId="urn:microsoft.com/office/officeart/2009/3/layout/IncreasingArrowsProcess"/>
+    <dgm:cxn modelId="{FF2ECC68-9C90-4DF0-A928-3B92CA54ECF3}" srcId="{9745B43B-A895-4CE2-A82C-01B8A6EC89C0}" destId="{84A6F5A7-5758-48E8-9B7F-CA0F88B37F8A}" srcOrd="0" destOrd="0" parTransId="{172A72A1-A0BA-4F4F-B17E-2E2872CB93E4}" sibTransId="{3C12D1CB-9474-468E-99D4-B714E8F4CA64}"/>
+    <dgm:cxn modelId="{BA3EA347-DC15-41A7-B9D8-7858B81AF4E8}" type="presOf" srcId="{5885A5C4-3C2F-45E7-8FDF-08267A4424FC}" destId="{74FC3293-916E-4150-ABC2-46A9CAFBD4E1}" srcOrd="0" destOrd="0" presId="urn:microsoft.com/office/officeart/2009/3/layout/IncreasingArrowsProcess"/>
+    <dgm:cxn modelId="{381C926D-8793-41D5-A255-A0790C888E94}" srcId="{3C242284-50C7-4B9D-A866-0CF057E23FB1}" destId="{630B9A79-0F13-4A68-83A2-350249367D77}" srcOrd="0" destOrd="0" parTransId="{C3353706-B7B1-4052-B5A6-D61F90EE0716}" sibTransId="{FFF017B8-5201-452A-A410-AAD1AFAC21F7}"/>
+    <dgm:cxn modelId="{BF988453-6AA9-4057-802F-BA38358B8841}" type="presOf" srcId="{222CCE41-CD7C-4A1C-A492-1640D38FB7C9}" destId="{0CD82B2E-AE47-4AEC-A806-1DEA6AEA6C38}" srcOrd="0" destOrd="0" presId="urn:microsoft.com/office/officeart/2009/3/layout/IncreasingArrowsProcess"/>
+    <dgm:cxn modelId="{3C8C6911-16DD-4708-92B5-171122E7CB28}" srcId="{5885A5C4-3C2F-45E7-8FDF-08267A4424FC}" destId="{B083A370-B684-440C-B12C-B4E71894054A}" srcOrd="0" destOrd="0" parTransId="{FD50D1DC-8D56-412D-B61C-74787E3AE0CA}" sibTransId="{B56CFC12-636B-4F0E-9B81-7279DAA43ED2}"/>
     <dgm:cxn modelId="{68A4B644-4E46-47A4-A84E-0B5B446F3A65}" type="presOf" srcId="{03624C03-41C3-4954-BD35-C9F749B3846D}" destId="{B0C26EDE-A5A8-46C8-ADB7-848795BE8B1F}" srcOrd="0" destOrd="0" presId="urn:microsoft.com/office/officeart/2009/3/layout/IncreasingArrowsProcess"/>
-    <dgm:cxn modelId="{A6CA14D9-E28D-4656-9850-FF658776B098}" srcId="{D6FA47E8-581E-49CD-8BF2-0C2FC83C6702}" destId="{3C242284-50C7-4B9D-A866-0CF057E23FB1}" srcOrd="2" destOrd="0" parTransId="{7F4B0401-3D50-4529-80A3-9173F737A4E4}" sibTransId="{C850BB20-CD5D-409B-8DF8-9BF0B1D4CA86}"/>
-    <dgm:cxn modelId="{DC0C25C4-775E-41FE-82EF-3A8EC916671B}" type="presOf" srcId="{D6FA47E8-581E-49CD-8BF2-0C2FC83C6702}" destId="{C9937954-5D73-4A53-B904-8B3994A115AB}" srcOrd="0" destOrd="0" presId="urn:microsoft.com/office/officeart/2009/3/layout/IncreasingArrowsProcess"/>
-    <dgm:cxn modelId="{F9FEE89B-3206-4245-9C61-5AD4C0AFB9D3}" srcId="{D6FA47E8-581E-49CD-8BF2-0C2FC83C6702}" destId="{A9B43EF2-383C-470D-B7F3-05BC1073C854}" srcOrd="0" destOrd="0" parTransId="{7FBB1A13-D1AE-419D-B60B-0A43A1562DE9}" sibTransId="{68D2ECDC-33C5-477C-BF95-98FBC427614A}"/>
-    <dgm:cxn modelId="{BA3EA347-DC15-41A7-B9D8-7858B81AF4E8}" type="presOf" srcId="{5885A5C4-3C2F-45E7-8FDF-08267A4424FC}" destId="{74FC3293-916E-4150-ABC2-46A9CAFBD4E1}" srcOrd="0" destOrd="0" presId="urn:microsoft.com/office/officeart/2009/3/layout/IncreasingArrowsProcess"/>
+    <dgm:cxn modelId="{7E70EE98-CB15-4E60-B2FA-4C61C7CE290E}" type="presOf" srcId="{492D23AD-5E20-4818-812A-267B87561718}" destId="{C7BEC4EE-6F56-4CAC-B9E2-C2002D9555A5}" srcOrd="0" destOrd="0" presId="urn:microsoft.com/office/officeart/2009/3/layout/IncreasingArrowsProcess"/>
+    <dgm:cxn modelId="{93FCD771-C207-4B7C-9984-DB407FD51F52}" type="presOf" srcId="{A9B43EF2-383C-470D-B7F3-05BC1073C854}" destId="{8EB723BB-226C-4D8E-9C8F-3BC6EFCC03FB}" srcOrd="0" destOrd="0" presId="urn:microsoft.com/office/officeart/2009/3/layout/IncreasingArrowsProcess"/>
+    <dgm:cxn modelId="{B96E5C38-6832-4F25-AE7F-CD46EE7B2060}" srcId="{D6FA47E8-581E-49CD-8BF2-0C2FC83C6702}" destId="{9745B43B-A895-4CE2-A82C-01B8A6EC89C0}" srcOrd="1" destOrd="0" parTransId="{DC320488-346F-4A79-8D71-5C0C94A79279}" sibTransId="{DE6036E3-BD50-46E1-BA82-4EB465A3CF41}"/>
+    <dgm:cxn modelId="{6407C152-7AA8-450F-A77F-B9EC46EDFF5B}" srcId="{A9B43EF2-383C-470D-B7F3-05BC1073C854}" destId="{492D23AD-5E20-4818-812A-267B87561718}" srcOrd="0" destOrd="0" parTransId="{BBB088A6-4424-4176-A5D7-594034D957DF}" sibTransId="{5466BE19-F37E-4E33-AF16-E2E1FD3C0665}"/>
+    <dgm:cxn modelId="{F243B3C6-A317-4A19-8309-5A7C5005475F}" type="presOf" srcId="{9745B43B-A895-4CE2-A82C-01B8A6EC89C0}" destId="{3BD18C96-D45A-4B71-B5B5-B0C6FC55D039}" srcOrd="0" destOrd="0" presId="urn:microsoft.com/office/officeart/2009/3/layout/IncreasingArrowsProcess"/>
     <dgm:cxn modelId="{948A82AE-CAC1-41E7-8BC3-B36781AA0358}" type="presOf" srcId="{3C242284-50C7-4B9D-A866-0CF057E23FB1}" destId="{A44A4C86-F22A-41AB-A79B-E2AD6698B61E}" srcOrd="0" destOrd="0" presId="urn:microsoft.com/office/officeart/2009/3/layout/IncreasingArrowsProcess"/>
-    <dgm:cxn modelId="{3C8C6911-16DD-4708-92B5-171122E7CB28}" srcId="{5885A5C4-3C2F-45E7-8FDF-08267A4424FC}" destId="{B083A370-B684-440C-B12C-B4E71894054A}" srcOrd="0" destOrd="0" parTransId="{FD50D1DC-8D56-412D-B61C-74787E3AE0CA}" sibTransId="{B56CFC12-636B-4F0E-9B81-7279DAA43ED2}"/>
-    <dgm:cxn modelId="{BF988453-6AA9-4057-802F-BA38358B8841}" type="presOf" srcId="{222CCE41-CD7C-4A1C-A492-1640D38FB7C9}" destId="{0CD82B2E-AE47-4AEC-A806-1DEA6AEA6C38}" srcOrd="0" destOrd="0" presId="urn:microsoft.com/office/officeart/2009/3/layout/IncreasingArrowsProcess"/>
-    <dgm:cxn modelId="{7E70EE98-CB15-4E60-B2FA-4C61C7CE290E}" type="presOf" srcId="{492D23AD-5E20-4818-812A-267B87561718}" destId="{C7BEC4EE-6F56-4CAC-B9E2-C2002D9555A5}" srcOrd="0" destOrd="0" presId="urn:microsoft.com/office/officeart/2009/3/layout/IncreasingArrowsProcess"/>
-    <dgm:cxn modelId="{F243B3C6-A317-4A19-8309-5A7C5005475F}" type="presOf" srcId="{9745B43B-A895-4CE2-A82C-01B8A6EC89C0}" destId="{3BD18C96-D45A-4B71-B5B5-B0C6FC55D039}" srcOrd="0" destOrd="0" presId="urn:microsoft.com/office/officeart/2009/3/layout/IncreasingArrowsProcess"/>
-    <dgm:cxn modelId="{6BE0DF05-6402-4AA9-9CC9-EC7A1AE9FB26}" type="presOf" srcId="{B083A370-B684-440C-B12C-B4E71894054A}" destId="{4967F57D-5DA8-4AD5-9546-F790B1E1FA0A}" srcOrd="0" destOrd="0" presId="urn:microsoft.com/office/officeart/2009/3/layout/IncreasingArrowsProcess"/>
     <dgm:cxn modelId="{6DE37186-D526-4FE1-9401-C2EEB0BE203D}" type="presOf" srcId="{84A6F5A7-5758-48E8-9B7F-CA0F88B37F8A}" destId="{79270A26-50A4-4D55-9ADA-50D6D53B25E5}" srcOrd="0" destOrd="0" presId="urn:microsoft.com/office/officeart/2009/3/layout/IncreasingArrowsProcess"/>
-    <dgm:cxn modelId="{A93EC9CC-4C42-4A0D-919E-FCB709E1243F}" type="presOf" srcId="{630B9A79-0F13-4A68-83A2-350249367D77}" destId="{8EC5CADF-EF7E-4F27-8E65-EA96A7B9A71D}" srcOrd="0" destOrd="0" presId="urn:microsoft.com/office/officeart/2009/3/layout/IncreasingArrowsProcess"/>
-    <dgm:cxn modelId="{93FCD771-C207-4B7C-9984-DB407FD51F52}" type="presOf" srcId="{A9B43EF2-383C-470D-B7F3-05BC1073C854}" destId="{8EB723BB-226C-4D8E-9C8F-3BC6EFCC03FB}" srcOrd="0" destOrd="0" presId="urn:microsoft.com/office/officeart/2009/3/layout/IncreasingArrowsProcess"/>
-    <dgm:cxn modelId="{82A24A0E-442C-47BE-AA56-293A72464F5A}" srcId="{D6FA47E8-581E-49CD-8BF2-0C2FC83C6702}" destId="{222CCE41-CD7C-4A1C-A492-1640D38FB7C9}" srcOrd="3" destOrd="0" parTransId="{A499ABCA-9A3B-438C-9D65-A495CA0E6706}" sibTransId="{9E6754DF-F071-4FF3-AAC0-4DD6B5D2280C}"/>
-    <dgm:cxn modelId="{FF2ECC68-9C90-4DF0-A928-3B92CA54ECF3}" srcId="{9745B43B-A895-4CE2-A82C-01B8A6EC89C0}" destId="{84A6F5A7-5758-48E8-9B7F-CA0F88B37F8A}" srcOrd="0" destOrd="0" parTransId="{172A72A1-A0BA-4F4F-B17E-2E2872CB93E4}" sibTransId="{3C12D1CB-9474-468E-99D4-B714E8F4CA64}"/>
-    <dgm:cxn modelId="{067C3729-7CBB-4FFE-86CC-2AA4BE29DC5D}" srcId="{D6FA47E8-581E-49CD-8BF2-0C2FC83C6702}" destId="{5885A5C4-3C2F-45E7-8FDF-08267A4424FC}" srcOrd="4" destOrd="0" parTransId="{04ACBFD8-E5A0-4211-979B-686E0D6BD476}" sibTransId="{9606F468-582C-48C8-8E22-EF5FC461BD33}"/>
-    <dgm:cxn modelId="{B96E5C38-6832-4F25-AE7F-CD46EE7B2060}" srcId="{D6FA47E8-581E-49CD-8BF2-0C2FC83C6702}" destId="{9745B43B-A895-4CE2-A82C-01B8A6EC89C0}" srcOrd="1" destOrd="0" parTransId="{DC320488-346F-4A79-8D71-5C0C94A79279}" sibTransId="{DE6036E3-BD50-46E1-BA82-4EB465A3CF41}"/>
-    <dgm:cxn modelId="{6B71FD01-2F2F-41AE-85AE-049E20F85889}" srcId="{222CCE41-CD7C-4A1C-A492-1640D38FB7C9}" destId="{03624C03-41C3-4954-BD35-C9F749B3846D}" srcOrd="0" destOrd="0" parTransId="{36660AB6-62A8-408B-B568-81773DEA2F72}" sibTransId="{FA957721-AF25-4951-9B66-B05D08460A52}"/>
-    <dgm:cxn modelId="{381C926D-8793-41D5-A255-A0790C888E94}" srcId="{3C242284-50C7-4B9D-A866-0CF057E23FB1}" destId="{630B9A79-0F13-4A68-83A2-350249367D77}" srcOrd="0" destOrd="0" parTransId="{C3353706-B7B1-4052-B5A6-D61F90EE0716}" sibTransId="{FFF017B8-5201-452A-A410-AAD1AFAC21F7}"/>
-    <dgm:cxn modelId="{6407C152-7AA8-450F-A77F-B9EC46EDFF5B}" srcId="{A9B43EF2-383C-470D-B7F3-05BC1073C854}" destId="{492D23AD-5E20-4818-812A-267B87561718}" srcOrd="0" destOrd="0" parTransId="{BBB088A6-4424-4176-A5D7-594034D957DF}" sibTransId="{5466BE19-F37E-4E33-AF16-E2E1FD3C0665}"/>
     <dgm:cxn modelId="{F5F470B1-9200-4245-98A8-89C4F68BEF54}" type="presParOf" srcId="{C9937954-5D73-4A53-B904-8B3994A115AB}" destId="{8EB723BB-226C-4D8E-9C8F-3BC6EFCC03FB}" srcOrd="0" destOrd="0" presId="urn:microsoft.com/office/officeart/2009/3/layout/IncreasingArrowsProcess"/>
     <dgm:cxn modelId="{6F39EDBB-A9FA-4729-8968-CAD4B96352DA}" type="presParOf" srcId="{C9937954-5D73-4A53-B904-8B3994A115AB}" destId="{C7BEC4EE-6F56-4CAC-B9E2-C2002D9555A5}" srcOrd="1" destOrd="0" presId="urn:microsoft.com/office/officeart/2009/3/layout/IncreasingArrowsProcess"/>
     <dgm:cxn modelId="{E9E51E79-7451-42B0-BB25-0B67C2599F49}" type="presParOf" srcId="{C9937954-5D73-4A53-B904-8B3994A115AB}" destId="{3BD18C96-D45A-4B71-B5B5-B0C6FC55D039}" srcOrd="2" destOrd="0" presId="urn:microsoft.com/office/officeart/2009/3/layout/IncreasingArrowsProcess"/>
@@ -10577,15 +10577,7 @@
           <a:pPr algn="just"/>
           <a:r>
             <a:rPr lang="es-ES" sz="1600" dirty="0" smtClean="0"/>
-            <a:t>El modelamiento de los procesos que </a:t>
-          </a:r>
-          <a:r>
-            <a:rPr lang="es-ES" sz="1600" dirty="0" smtClean="0"/>
-            <a:t>realizan </a:t>
-          </a:r>
-          <a:r>
-            <a:rPr lang="es-ES" sz="1600" dirty="0" smtClean="0"/>
-            <a:t>los colegios de Fe y Alegría.</a:t>
+            <a:t>El modelamiento de los procesos que realizan los colegios de Fe y Alegría.</a:t>
           </a:r>
           <a:endParaRPr lang="es-PE" sz="1600" dirty="0"/>
         </a:p>
@@ -10954,20 +10946,20 @@
     </dgm:pt>
   </dgm:ptLst>
   <dgm:cxnLst>
+    <dgm:cxn modelId="{C8B5C031-DBEA-42A2-9505-C7B02E8D56F9}" type="presOf" srcId="{5EBED657-C951-4C9E-9B64-BD013632AFC2}" destId="{FBAD7434-1400-42B4-B38D-C41C37B08967}" srcOrd="0" destOrd="0" presId="urn:microsoft.com/office/officeart/2008/layout/SquareAccentList"/>
+    <dgm:cxn modelId="{12E54F39-382E-48E1-BE7A-1CBAD216AEBD}" type="presOf" srcId="{821F724A-1E74-4F33-85C0-A9660A1C5922}" destId="{531E20E0-23D9-4B4F-9352-E5CCF8890C1A}" srcOrd="0" destOrd="0" presId="urn:microsoft.com/office/officeart/2008/layout/SquareAccentList"/>
+    <dgm:cxn modelId="{84B7A2BB-E701-4825-89FF-EED4B4B3309C}" srcId="{821F724A-1E74-4F33-85C0-A9660A1C5922}" destId="{7F14D72B-6427-4A00-9FC5-993A7D83275A}" srcOrd="3" destOrd="0" parTransId="{07BE0466-2A1F-4093-A04F-1C68ACF52E7D}" sibTransId="{2CFDB889-C899-485E-9A4D-68318D5DA9D9}"/>
+    <dgm:cxn modelId="{B2841893-C35E-40E0-BA73-AD5CD0B280B1}" type="presOf" srcId="{ED5AF5FF-1439-453E-B279-80C8689019C7}" destId="{D8F9E214-F28B-4179-B1CD-FA241914D8E2}" srcOrd="0" destOrd="0" presId="urn:microsoft.com/office/officeart/2008/layout/SquareAccentList"/>
+    <dgm:cxn modelId="{DE6ABCF4-D0E6-41B9-B1F3-14D8609A41FB}" srcId="{821F724A-1E74-4F33-85C0-A9660A1C5922}" destId="{DC401748-27BB-4E45-820B-B649D6ED9540}" srcOrd="5" destOrd="0" parTransId="{43D46F93-B8E5-4B2D-BB59-F7650CF4D895}" sibTransId="{A2229638-B714-4287-B1F9-8AF5DA358D84}"/>
+    <dgm:cxn modelId="{E105336A-D4C5-4746-806D-44992A92889C}" type="presOf" srcId="{D3E8B20B-B886-4D92-9FBF-27748C512725}" destId="{35E2468C-1DCF-4CF5-AD81-105AAA1C763A}" srcOrd="0" destOrd="0" presId="urn:microsoft.com/office/officeart/2008/layout/SquareAccentList"/>
+    <dgm:cxn modelId="{BA08D5BC-DB42-4557-9F33-A9E836B06223}" srcId="{821F724A-1E74-4F33-85C0-A9660A1C5922}" destId="{5EBED657-C951-4C9E-9B64-BD013632AFC2}" srcOrd="2" destOrd="0" parTransId="{1213574E-E85B-4B4B-BEA3-F7C2410A1668}" sibTransId="{1672AA7E-9207-4977-9E0A-E6EF529E1763}"/>
+    <dgm:cxn modelId="{06614E2A-5F47-4C60-891B-9AF97D4C1340}" srcId="{ED5AF5FF-1439-453E-B279-80C8689019C7}" destId="{821F724A-1E74-4F33-85C0-A9660A1C5922}" srcOrd="0" destOrd="0" parTransId="{7341F9CF-A3DF-4850-800D-9B8EFDFDE532}" sibTransId="{BC600B84-E8AF-410E-8EB9-1031DBB31C17}"/>
     <dgm:cxn modelId="{E55C35F3-3635-4857-92D0-C3D81BD6A208}" srcId="{821F724A-1E74-4F33-85C0-A9660A1C5922}" destId="{D3E8B20B-B886-4D92-9FBF-27748C512725}" srcOrd="1" destOrd="0" parTransId="{4FFCD8AE-B212-499A-B538-6A2403F1D17E}" sibTransId="{A00EBF84-F50B-47A4-B120-37FDB6CFD4A6}"/>
-    <dgm:cxn modelId="{06614E2A-5F47-4C60-891B-9AF97D4C1340}" srcId="{ED5AF5FF-1439-453E-B279-80C8689019C7}" destId="{821F724A-1E74-4F33-85C0-A9660A1C5922}" srcOrd="0" destOrd="0" parTransId="{7341F9CF-A3DF-4850-800D-9B8EFDFDE532}" sibTransId="{BC600B84-E8AF-410E-8EB9-1031DBB31C17}"/>
-    <dgm:cxn modelId="{84B7A2BB-E701-4825-89FF-EED4B4B3309C}" srcId="{821F724A-1E74-4F33-85C0-A9660A1C5922}" destId="{7F14D72B-6427-4A00-9FC5-993A7D83275A}" srcOrd="3" destOrd="0" parTransId="{07BE0466-2A1F-4093-A04F-1C68ACF52E7D}" sibTransId="{2CFDB889-C899-485E-9A4D-68318D5DA9D9}"/>
+    <dgm:cxn modelId="{3341425F-F32C-46A6-9B1B-D9F043EC097A}" type="presOf" srcId="{BBF97766-C307-49D6-93C4-F0D4199A3AE9}" destId="{3D267A2A-ECFB-432F-8206-C3FBBC3FCDB1}" srcOrd="0" destOrd="0" presId="urn:microsoft.com/office/officeart/2008/layout/SquareAccentList"/>
+    <dgm:cxn modelId="{8990A48A-AE84-4F6E-B12C-3414FEE42576}" type="presOf" srcId="{DC401748-27BB-4E45-820B-B649D6ED9540}" destId="{6B0AA2E4-DB3C-4B1C-8168-2A327F2E7EE5}" srcOrd="0" destOrd="0" presId="urn:microsoft.com/office/officeart/2008/layout/SquareAccentList"/>
     <dgm:cxn modelId="{FA01F152-9C95-4953-89C0-E3E0453141FF}" type="presOf" srcId="{7F14D72B-6427-4A00-9FC5-993A7D83275A}" destId="{7FCF0288-9018-4DA2-A2FB-5D0ADE94DD3A}" srcOrd="0" destOrd="0" presId="urn:microsoft.com/office/officeart/2008/layout/SquareAccentList"/>
-    <dgm:cxn modelId="{B2841893-C35E-40E0-BA73-AD5CD0B280B1}" type="presOf" srcId="{ED5AF5FF-1439-453E-B279-80C8689019C7}" destId="{D8F9E214-F28B-4179-B1CD-FA241914D8E2}" srcOrd="0" destOrd="0" presId="urn:microsoft.com/office/officeart/2008/layout/SquareAccentList"/>
-    <dgm:cxn modelId="{8990A48A-AE84-4F6E-B12C-3414FEE42576}" type="presOf" srcId="{DC401748-27BB-4E45-820B-B649D6ED9540}" destId="{6B0AA2E4-DB3C-4B1C-8168-2A327F2E7EE5}" srcOrd="0" destOrd="0" presId="urn:microsoft.com/office/officeart/2008/layout/SquareAccentList"/>
-    <dgm:cxn modelId="{DE6ABCF4-D0E6-41B9-B1F3-14D8609A41FB}" srcId="{821F724A-1E74-4F33-85C0-A9660A1C5922}" destId="{DC401748-27BB-4E45-820B-B649D6ED9540}" srcOrd="5" destOrd="0" parTransId="{43D46F93-B8E5-4B2D-BB59-F7650CF4D895}" sibTransId="{A2229638-B714-4287-B1F9-8AF5DA358D84}"/>
-    <dgm:cxn modelId="{12E54F39-382E-48E1-BE7A-1CBAD216AEBD}" type="presOf" srcId="{821F724A-1E74-4F33-85C0-A9660A1C5922}" destId="{531E20E0-23D9-4B4F-9352-E5CCF8890C1A}" srcOrd="0" destOrd="0" presId="urn:microsoft.com/office/officeart/2008/layout/SquareAccentList"/>
-    <dgm:cxn modelId="{BA08D5BC-DB42-4557-9F33-A9E836B06223}" srcId="{821F724A-1E74-4F33-85C0-A9660A1C5922}" destId="{5EBED657-C951-4C9E-9B64-BD013632AFC2}" srcOrd="2" destOrd="0" parTransId="{1213574E-E85B-4B4B-BEA3-F7C2410A1668}" sibTransId="{1672AA7E-9207-4977-9E0A-E6EF529E1763}"/>
+    <dgm:cxn modelId="{FBAE0C79-10E7-4E72-97BA-7021E1C2423D}" type="presOf" srcId="{D3955DD9-C210-4034-AF51-E3F5FBE593EC}" destId="{E0B056A9-9BB5-473E-9539-630B3E9CECE5}" srcOrd="0" destOrd="0" presId="urn:microsoft.com/office/officeart/2008/layout/SquareAccentList"/>
     <dgm:cxn modelId="{456E8A73-15B3-4481-A103-B738F5E8CDF5}" srcId="{821F724A-1E74-4F33-85C0-A9660A1C5922}" destId="{D3955DD9-C210-4034-AF51-E3F5FBE593EC}" srcOrd="0" destOrd="0" parTransId="{7CD85B04-760D-4665-82C4-C4FC55944ED9}" sibTransId="{23C22543-BE3D-4446-8123-D99AF96D6F20}"/>
-    <dgm:cxn modelId="{3341425F-F32C-46A6-9B1B-D9F043EC097A}" type="presOf" srcId="{BBF97766-C307-49D6-93C4-F0D4199A3AE9}" destId="{3D267A2A-ECFB-432F-8206-C3FBBC3FCDB1}" srcOrd="0" destOrd="0" presId="urn:microsoft.com/office/officeart/2008/layout/SquareAccentList"/>
-    <dgm:cxn modelId="{E105336A-D4C5-4746-806D-44992A92889C}" type="presOf" srcId="{D3E8B20B-B886-4D92-9FBF-27748C512725}" destId="{35E2468C-1DCF-4CF5-AD81-105AAA1C763A}" srcOrd="0" destOrd="0" presId="urn:microsoft.com/office/officeart/2008/layout/SquareAccentList"/>
-    <dgm:cxn modelId="{FBAE0C79-10E7-4E72-97BA-7021E1C2423D}" type="presOf" srcId="{D3955DD9-C210-4034-AF51-E3F5FBE593EC}" destId="{E0B056A9-9BB5-473E-9539-630B3E9CECE5}" srcOrd="0" destOrd="0" presId="urn:microsoft.com/office/officeart/2008/layout/SquareAccentList"/>
-    <dgm:cxn modelId="{C8B5C031-DBEA-42A2-9505-C7B02E8D56F9}" type="presOf" srcId="{5EBED657-C951-4C9E-9B64-BD013632AFC2}" destId="{FBAD7434-1400-42B4-B38D-C41C37B08967}" srcOrd="0" destOrd="0" presId="urn:microsoft.com/office/officeart/2008/layout/SquareAccentList"/>
     <dgm:cxn modelId="{6D30681B-6A69-4F29-B1D3-DA040BB90512}" srcId="{821F724A-1E74-4F33-85C0-A9660A1C5922}" destId="{BBF97766-C307-49D6-93C4-F0D4199A3AE9}" srcOrd="4" destOrd="0" parTransId="{E8BCA929-30F4-4861-888B-FFF0A39AA105}" sibTransId="{2A01CBAC-B6EE-49DD-8AA7-BE4967487686}"/>
     <dgm:cxn modelId="{84989687-E7A5-4194-B47A-CA5C7311ADC4}" type="presParOf" srcId="{D8F9E214-F28B-4179-B1CD-FA241914D8E2}" destId="{3797417F-D0F3-4704-A5E1-1E0D8218EF37}" srcOrd="0" destOrd="0" presId="urn:microsoft.com/office/officeart/2008/layout/SquareAccentList"/>
     <dgm:cxn modelId="{23262BCE-52A4-469F-999F-8C8021CF0E36}" type="presParOf" srcId="{3797417F-D0F3-4704-A5E1-1E0D8218EF37}" destId="{70C02842-98CF-41EA-8989-F53AB3E42A32}" srcOrd="0" destOrd="0" presId="urn:microsoft.com/office/officeart/2008/layout/SquareAccentList"/>
@@ -11248,8 +11240,13 @@
           </a:r>
           <a:r>
             <a:rPr lang="es-PE" sz="1800" dirty="0" smtClean="0"/>
-            <a:t>  Rosario Villalta</a:t>
+            <a:t>  </a:t>
           </a:r>
+          <a:r>
+            <a:rPr lang="es-PE" sz="1800" dirty="0" smtClean="0"/>
+            <a:t>Cecilia Villacorta</a:t>
+          </a:r>
+          <a:endParaRPr lang="es-PE" sz="1800" dirty="0" smtClean="0"/>
         </a:p>
         <a:p>
           <a:pPr algn="just"/>
@@ -11536,7 +11533,7 @@
       </dgm:t>
     </dgm:pt>
     <dgm:pt modelId="{AE35DFFB-3A29-4DF9-9052-5E32E659001B}" type="pres">
-      <dgm:prSet presAssocID="{7AAB589A-5D7E-4A72-A712-5917EDE1291B}" presName="Child" presStyleLbl="revTx" presStyleIdx="4" presStyleCnt="6" custScaleX="147738" custScaleY="150770" custLinFactNeighborX="-10249" custLinFactNeighborY="38683">
+      <dgm:prSet presAssocID="{7AAB589A-5D7E-4A72-A712-5917EDE1291B}" presName="Child" presStyleLbl="revTx" presStyleIdx="4" presStyleCnt="6" custScaleX="157874" custScaleY="150770" custLinFactNeighborX="-10249" custLinFactNeighborY="38683">
         <dgm:presLayoutVars>
           <dgm:chMax val="0"/>
           <dgm:chPref val="0"/>
@@ -12407,8 +12404,8 @@
   <dgm:cxnLst>
     <dgm:cxn modelId="{FC66E20D-172C-498D-B40A-67FAA09212EA}" type="presOf" srcId="{9CE071A8-4828-4BBA-8539-A7250C6564F7}" destId="{8E75D1AB-AB9E-4437-9E6B-0F8E0BF693E1}" srcOrd="0" destOrd="0" presId="urn:microsoft.com/office/officeart/2005/8/layout/chevron1"/>
     <dgm:cxn modelId="{94A556CC-DB2E-4EC0-B526-F9BC08BA7032}" srcId="{1E69C752-FFB3-443C-87E0-F9B0295401B1}" destId="{9CE071A8-4828-4BBA-8539-A7250C6564F7}" srcOrd="0" destOrd="0" parTransId="{52D995F5-3395-4ECB-9CFC-C465B420EBDC}" sibTransId="{5230C054-1279-4270-918B-48387250C601}"/>
+    <dgm:cxn modelId="{73B9827E-628A-4F87-93BF-655275D0ACAC}" type="presOf" srcId="{8DD0647D-4D0F-4902-9F01-5E5D9F891374}" destId="{2CA60F9B-8AAF-4DC9-B371-F6896AEC6247}" srcOrd="0" destOrd="0" presId="urn:microsoft.com/office/officeart/2005/8/layout/chevron1"/>
     <dgm:cxn modelId="{2302C2DA-8CAE-48C8-BD37-CE2D02BE1003}" type="presOf" srcId="{1E69C752-FFB3-443C-87E0-F9B0295401B1}" destId="{F6DB34E1-6FA1-40B8-9E7F-F7FE7A8E2231}" srcOrd="0" destOrd="0" presId="urn:microsoft.com/office/officeart/2005/8/layout/chevron1"/>
-    <dgm:cxn modelId="{73B9827E-628A-4F87-93BF-655275D0ACAC}" type="presOf" srcId="{8DD0647D-4D0F-4902-9F01-5E5D9F891374}" destId="{2CA60F9B-8AAF-4DC9-B371-F6896AEC6247}" srcOrd="0" destOrd="0" presId="urn:microsoft.com/office/officeart/2005/8/layout/chevron1"/>
     <dgm:cxn modelId="{CA78CC69-948A-4F38-B9F1-1B7D08388364}" srcId="{1E69C752-FFB3-443C-87E0-F9B0295401B1}" destId="{8DD0647D-4D0F-4902-9F01-5E5D9F891374}" srcOrd="1" destOrd="0" parTransId="{E8AADB18-8D44-4D9A-97B7-FF714AA32059}" sibTransId="{830E21FF-A2E2-41AD-9326-09566F28D649}"/>
     <dgm:cxn modelId="{9E7C571B-AC2D-4761-8BE7-4C950E0DFEA0}" type="presParOf" srcId="{F6DB34E1-6FA1-40B8-9E7F-F7FE7A8E2231}" destId="{8E75D1AB-AB9E-4437-9E6B-0F8E0BF693E1}" srcOrd="0" destOrd="0" presId="urn:microsoft.com/office/officeart/2005/8/layout/chevron1"/>
     <dgm:cxn modelId="{D2FAA80C-04F5-49A6-93D7-ACCA956013AF}" type="presParOf" srcId="{F6DB34E1-6FA1-40B8-9E7F-F7FE7A8E2231}" destId="{16EE4375-E80B-40E3-9FA4-CCB560C66959}" srcOrd="1" destOrd="0" presId="urn:microsoft.com/office/officeart/2005/8/layout/chevron1"/>
@@ -16179,15 +16176,7 @@
           </a:pPr>
           <a:r>
             <a:rPr lang="es-ES" sz="1600" kern="1200" dirty="0" smtClean="0"/>
-            <a:t>El modelamiento de los procesos que </a:t>
-          </a:r>
-          <a:r>
-            <a:rPr lang="es-ES" sz="1600" kern="1200" dirty="0" smtClean="0"/>
-            <a:t>realizan </a:t>
-          </a:r>
-          <a:r>
-            <a:rPr lang="es-ES" sz="1600" kern="1200" dirty="0" smtClean="0"/>
-            <a:t>los colegios de Fe y Alegría.</a:t>
+            <a:t>El modelamiento de los procesos que realizan los colegios de Fe y Alegría.</a:t>
           </a:r>
           <a:endParaRPr lang="es-PE" sz="1600" kern="1200" dirty="0"/>
         </a:p>
@@ -16751,8 +16740,8 @@
       </dsp:nvSpPr>
       <dsp:spPr>
         <a:xfrm>
-          <a:off x="31" y="312565"/>
-          <a:ext cx="550014" cy="550014"/>
+          <a:off x="4232" y="308984"/>
+          <a:ext cx="543713" cy="543713"/>
         </a:xfrm>
         <a:prstGeom prst="ellipse">
           <a:avLst/>
@@ -16791,8 +16780,8 @@
       </dsp:nvSpPr>
       <dsp:spPr>
         <a:xfrm>
-          <a:off x="55032" y="367566"/>
-          <a:ext cx="440011" cy="440011"/>
+          <a:off x="58604" y="363355"/>
+          <a:ext cx="434970" cy="434970"/>
         </a:xfrm>
         <a:prstGeom prst="chord">
           <a:avLst>
@@ -16843,8 +16832,8 @@
       </dsp:nvSpPr>
       <dsp:spPr>
         <a:xfrm>
-          <a:off x="637532" y="912229"/>
-          <a:ext cx="2339271" cy="2314645"/>
+          <a:off x="634430" y="901778"/>
+          <a:ext cx="2312471" cy="2288127"/>
         </a:xfrm>
         <a:prstGeom prst="rect">
           <a:avLst/>
@@ -16953,8 +16942,8 @@
         </a:p>
       </dsp:txBody>
       <dsp:txXfrm>
-        <a:off x="637532" y="912229"/>
-        <a:ext cx="2339271" cy="2314645"/>
+        <a:off x="634430" y="901778"/>
+        <a:ext cx="2312471" cy="2288127"/>
       </dsp:txXfrm>
     </dsp:sp>
     <dsp:sp modelId="{25787ECF-5BDD-4F6B-A818-72E463CFB5B9}">
@@ -16964,8 +16953,8 @@
       </dsp:nvSpPr>
       <dsp:spPr>
         <a:xfrm>
-          <a:off x="664632" y="312565"/>
-          <a:ext cx="1627127" cy="550014"/>
+          <a:off x="661220" y="308984"/>
+          <a:ext cx="1608485" cy="543713"/>
         </a:xfrm>
         <a:prstGeom prst="rect">
           <a:avLst/>
@@ -17030,8 +17019,8 @@
         </a:p>
       </dsp:txBody>
       <dsp:txXfrm>
-        <a:off x="664632" y="312565"/>
-        <a:ext cx="1627127" cy="550014"/>
+        <a:off x="661220" y="308984"/>
+        <a:ext cx="1608485" cy="543713"/>
       </dsp:txXfrm>
     </dsp:sp>
     <dsp:sp modelId="{B256F04E-7B98-4DBF-A3A8-E9D39DB7F9A6}">
@@ -17041,8 +17030,8 @@
       </dsp:nvSpPr>
       <dsp:spPr>
         <a:xfrm>
-          <a:off x="2647855" y="316610"/>
-          <a:ext cx="550014" cy="550014"/>
+          <a:off x="2621722" y="312982"/>
+          <a:ext cx="543713" cy="543713"/>
         </a:xfrm>
         <a:prstGeom prst="ellipse">
           <a:avLst/>
@@ -17081,8 +17070,8 @@
       </dsp:nvSpPr>
       <dsp:spPr>
         <a:xfrm>
-          <a:off x="2702858" y="380058"/>
-          <a:ext cx="440011" cy="440011"/>
+          <a:off x="2676094" y="375704"/>
+          <a:ext cx="434970" cy="434970"/>
         </a:xfrm>
         <a:prstGeom prst="chord">
           <a:avLst>
@@ -17133,8 +17122,8 @@
       </dsp:nvSpPr>
       <dsp:spPr>
         <a:xfrm>
-          <a:off x="3044636" y="989335"/>
-          <a:ext cx="612889" cy="736358"/>
+          <a:off x="3013957" y="978001"/>
+          <a:ext cx="605868" cy="727922"/>
         </a:xfrm>
         <a:prstGeom prst="rect">
           <a:avLst/>
@@ -17183,8 +17172,8 @@
         </a:p>
       </dsp:txBody>
       <dsp:txXfrm>
-        <a:off x="3044636" y="989335"/>
-        <a:ext cx="612889" cy="736358"/>
+        <a:off x="3013957" y="978001"/>
+        <a:ext cx="605868" cy="727922"/>
       </dsp:txXfrm>
     </dsp:sp>
     <dsp:sp modelId="{D3F4533E-C5A8-42D3-ACB3-6E1527741B3F}">
@@ -17194,8 +17183,8 @@
       </dsp:nvSpPr>
       <dsp:spPr>
         <a:xfrm>
-          <a:off x="3312453" y="316610"/>
-          <a:ext cx="1627127" cy="550014"/>
+          <a:off x="3278705" y="312982"/>
+          <a:ext cx="1608485" cy="543713"/>
         </a:xfrm>
         <a:prstGeom prst="rect">
           <a:avLst/>
@@ -17243,8 +17232,8 @@
         </a:p>
       </dsp:txBody>
       <dsp:txXfrm>
-        <a:off x="3312453" y="316610"/>
-        <a:ext cx="1627127" cy="550014"/>
+        <a:off x="3278705" y="312982"/>
+        <a:ext cx="1608485" cy="543713"/>
       </dsp:txXfrm>
     </dsp:sp>
     <dsp:sp modelId="{42AD0B5E-A116-4D25-86FF-D47E48D52814}">
@@ -17254,8 +17243,8 @@
       </dsp:nvSpPr>
       <dsp:spPr>
         <a:xfrm>
-          <a:off x="5210501" y="316316"/>
-          <a:ext cx="550014" cy="550014"/>
+          <a:off x="5155008" y="312692"/>
+          <a:ext cx="543713" cy="543713"/>
         </a:xfrm>
         <a:prstGeom prst="ellipse">
           <a:avLst/>
@@ -17294,8 +17283,8 @@
       </dsp:nvSpPr>
       <dsp:spPr>
         <a:xfrm>
-          <a:off x="5265456" y="371328"/>
-          <a:ext cx="440011" cy="440011"/>
+          <a:off x="5209334" y="367074"/>
+          <a:ext cx="434970" cy="434970"/>
         </a:xfrm>
         <a:prstGeom prst="chord">
           <a:avLst>
@@ -17346,8 +17335,8 @@
       </dsp:nvSpPr>
       <dsp:spPr>
         <a:xfrm>
-          <a:off x="5278191" y="895374"/>
-          <a:ext cx="2403885" cy="3489791"/>
+          <a:off x="5140404" y="885116"/>
+          <a:ext cx="2539380" cy="3449809"/>
         </a:xfrm>
         <a:prstGeom prst="rect">
           <a:avLst/>
@@ -17393,8 +17382,13 @@
           </a:r>
           <a:r>
             <a:rPr lang="es-PE" sz="1800" kern="1200" dirty="0" smtClean="0"/>
-            <a:t>  Rosario Villalta</a:t>
+            <a:t>  </a:t>
           </a:r>
+          <a:r>
+            <a:rPr lang="es-PE" sz="1800" kern="1200" dirty="0" smtClean="0"/>
+            <a:t>Cecilia Villacorta</a:t>
+          </a:r>
+          <a:endParaRPr lang="es-PE" sz="1800" kern="1200" dirty="0" smtClean="0"/>
         </a:p>
         <a:p>
           <a:pPr lvl="0" algn="just" defTabSz="800100">
@@ -17510,8 +17504,8 @@
         </a:p>
       </dsp:txBody>
       <dsp:txXfrm>
-        <a:off x="5278191" y="895374"/>
-        <a:ext cx="2403885" cy="3489791"/>
+        <a:off x="5140404" y="885116"/>
+        <a:ext cx="2539380" cy="3449809"/>
       </dsp:txXfrm>
     </dsp:sp>
     <dsp:sp modelId="{B5C69431-41B5-4FDE-A7F4-B3B7FDE4297E}">
@@ -17521,8 +17515,8 @@
       </dsp:nvSpPr>
       <dsp:spPr>
         <a:xfrm>
-          <a:off x="5884751" y="316316"/>
-          <a:ext cx="1627127" cy="550014"/>
+          <a:off x="5821534" y="312692"/>
+          <a:ext cx="1608485" cy="543713"/>
         </a:xfrm>
         <a:prstGeom prst="rect">
           <a:avLst/>
@@ -17570,8 +17564,8 @@
         </a:p>
       </dsp:txBody>
       <dsp:txXfrm>
-        <a:off x="5884751" y="316316"/>
-        <a:ext cx="1627127" cy="550014"/>
+        <a:off x="5821534" y="312692"/>
+        <a:ext cx="1608485" cy="543713"/>
       </dsp:txXfrm>
     </dsp:sp>
   </dsp:spTree>
@@ -34578,7 +34572,7 @@
           <a:p>
             <a:fld id="{17014CBA-198D-4961-8FB2-00585260705C}" type="datetimeFigureOut">
               <a:rPr lang="es-PE" smtClean="0"/>
-              <a:t>10/10/2011</a:t>
+              <a:t>12/10/2011</a:t>
             </a:fld>
             <a:endParaRPr lang="es-PE"/>
           </a:p>
@@ -35206,7 +35200,7 @@
           <a:p>
             <a:fld id="{19D489A6-1A95-46F1-8D38-EB6F925AFE9E}" type="datetime1">
               <a:rPr lang="es-PE" smtClean="0"/>
-              <a:t>10/10/2011</a:t>
+              <a:t>12/10/2011</a:t>
             </a:fld>
             <a:endParaRPr lang="es-PE"/>
           </a:p>
@@ -35371,7 +35365,7 @@
           <a:p>
             <a:fld id="{15C2D794-C840-445C-8358-FF3F1B01B7E5}" type="datetime1">
               <a:rPr lang="es-PE" smtClean="0"/>
-              <a:t>10/10/2011</a:t>
+              <a:t>12/10/2011</a:t>
             </a:fld>
             <a:endParaRPr lang="es-PE"/>
           </a:p>
@@ -35546,7 +35540,7 @@
           <a:p>
             <a:fld id="{E532B42A-1081-4D49-92CC-166D5A6188C8}" type="datetime1">
               <a:rPr lang="es-PE" smtClean="0"/>
-              <a:t>10/10/2011</a:t>
+              <a:t>12/10/2011</a:t>
             </a:fld>
             <a:endParaRPr lang="es-PE"/>
           </a:p>
@@ -35711,7 +35705,7 @@
           <a:p>
             <a:fld id="{67CC44CB-43F3-43E5-9595-A60016EDB3B2}" type="datetime1">
               <a:rPr lang="es-PE" smtClean="0"/>
-              <a:t>10/10/2011</a:t>
+              <a:t>12/10/2011</a:t>
             </a:fld>
             <a:endParaRPr lang="es-PE"/>
           </a:p>
@@ -35952,7 +35946,7 @@
           <a:p>
             <a:fld id="{DC4DCFB8-2CBB-477F-B205-26ACB6AE5914}" type="datetime1">
               <a:rPr lang="es-PE" smtClean="0"/>
-              <a:t>10/10/2011</a:t>
+              <a:t>12/10/2011</a:t>
             </a:fld>
             <a:endParaRPr lang="es-PE"/>
           </a:p>
@@ -36235,7 +36229,7 @@
           <a:p>
             <a:fld id="{76248ADA-FCA2-48DD-94EF-BDB4BE1B59A0}" type="datetime1">
               <a:rPr lang="es-PE" smtClean="0"/>
-              <a:t>10/10/2011</a:t>
+              <a:t>12/10/2011</a:t>
             </a:fld>
             <a:endParaRPr lang="es-PE"/>
           </a:p>
@@ -36664,7 +36658,7 @@
           <a:p>
             <a:fld id="{FC827E42-144E-4FEC-B99F-AD8C4B4A0FDD}" type="datetime1">
               <a:rPr lang="es-PE" smtClean="0"/>
-              <a:t>10/10/2011</a:t>
+              <a:t>12/10/2011</a:t>
             </a:fld>
             <a:endParaRPr lang="es-PE"/>
           </a:p>
@@ -36777,7 +36771,7 @@
           <a:p>
             <a:fld id="{6C87E1BD-2E68-4ACC-AD45-6E427F9A906C}" type="datetime1">
               <a:rPr lang="es-PE" smtClean="0"/>
-              <a:t>10/10/2011</a:t>
+              <a:t>12/10/2011</a:t>
             </a:fld>
             <a:endParaRPr lang="es-PE"/>
           </a:p>
@@ -36867,7 +36861,7 @@
           <a:p>
             <a:fld id="{0BDBE7F4-CE42-4B7A-A031-E56D86B7D7A4}" type="datetime1">
               <a:rPr lang="es-PE" smtClean="0"/>
-              <a:t>10/10/2011</a:t>
+              <a:t>12/10/2011</a:t>
             </a:fld>
             <a:endParaRPr lang="es-PE"/>
           </a:p>
@@ -37056,7 +37050,7 @@
           <a:p>
             <a:fld id="{0344B34B-1BBF-4474-8BAE-346A1A266661}" type="datetime1">
               <a:rPr lang="es-PE" smtClean="0"/>
-              <a:t>10/10/2011</a:t>
+              <a:t>12/10/2011</a:t>
             </a:fld>
             <a:endParaRPr lang="es-PE"/>
           </a:p>
@@ -37374,7 +37368,7 @@
           <a:p>
             <a:fld id="{80BF032A-6F2B-4F8F-9605-2E200852149F}" type="datetime1">
               <a:rPr lang="es-PE" smtClean="0"/>
-              <a:t>10/10/2011</a:t>
+              <a:t>12/10/2011</a:t>
             </a:fld>
             <a:endParaRPr lang="es-PE"/>
           </a:p>
@@ -37753,7 +37747,7 @@
           <a:p>
             <a:fld id="{04FC801C-ABDA-4584-A54B-F6D1285CFF9D}" type="datetime1">
               <a:rPr lang="es-PE" smtClean="0"/>
-              <a:t>10/10/2011</a:t>
+              <a:t>12/10/2011</a:t>
             </a:fld>
             <a:endParaRPr lang="es-PE"/>
           </a:p>
@@ -46173,7 +46167,7 @@
         </p:nvSpPr>
         <p:spPr>
           <a:xfrm>
-            <a:off x="683568" y="1718806"/>
+            <a:off x="755576" y="2348880"/>
             <a:ext cx="7416824" cy="2862322"/>
           </a:xfrm>
           <a:prstGeom prst="rect">
@@ -50132,7 +50126,7 @@
           <p:nvPr>
             <p:extLst>
               <p:ext uri="{D42A27DB-BD31-4B8C-83A1-F6EECF244321}">
-                <p14:modId xmlns:p14="http://schemas.microsoft.com/office/powerpoint/2010/main" val="2836564377"/>
+                <p14:modId xmlns:p14="http://schemas.microsoft.com/office/powerpoint/2010/main" val="660502580"/>
               </p:ext>
             </p:extLst>
           </p:nvPr>

--- a/Presentación Sem 7 - 2011.2/ANOCFAP-[Presentación Final v3.0].pptx
+++ b/Presentación Sem 7 - 2011.2/ANOCFAP-[Presentación Final v3.0].pptx
@@ -9058,27 +9058,27 @@
     </dgm:pt>
   </dgm:ptLst>
   <dgm:cxnLst>
+    <dgm:cxn modelId="{68A4B644-4E46-47A4-A84E-0B5B446F3A65}" type="presOf" srcId="{03624C03-41C3-4954-BD35-C9F749B3846D}" destId="{B0C26EDE-A5A8-46C8-ADB7-848795BE8B1F}" srcOrd="0" destOrd="0" presId="urn:microsoft.com/office/officeart/2009/3/layout/IncreasingArrowsProcess"/>
     <dgm:cxn modelId="{A6CA14D9-E28D-4656-9850-FF658776B098}" srcId="{D6FA47E8-581E-49CD-8BF2-0C2FC83C6702}" destId="{3C242284-50C7-4B9D-A866-0CF057E23FB1}" srcOrd="2" destOrd="0" parTransId="{7F4B0401-3D50-4529-80A3-9173F737A4E4}" sibTransId="{C850BB20-CD5D-409B-8DF8-9BF0B1D4CA86}"/>
+    <dgm:cxn modelId="{DC0C25C4-775E-41FE-82EF-3A8EC916671B}" type="presOf" srcId="{D6FA47E8-581E-49CD-8BF2-0C2FC83C6702}" destId="{C9937954-5D73-4A53-B904-8B3994A115AB}" srcOrd="0" destOrd="0" presId="urn:microsoft.com/office/officeart/2009/3/layout/IncreasingArrowsProcess"/>
+    <dgm:cxn modelId="{F9FEE89B-3206-4245-9C61-5AD4C0AFB9D3}" srcId="{D6FA47E8-581E-49CD-8BF2-0C2FC83C6702}" destId="{A9B43EF2-383C-470D-B7F3-05BC1073C854}" srcOrd="0" destOrd="0" parTransId="{7FBB1A13-D1AE-419D-B60B-0A43A1562DE9}" sibTransId="{68D2ECDC-33C5-477C-BF95-98FBC427614A}"/>
+    <dgm:cxn modelId="{BA3EA347-DC15-41A7-B9D8-7858B81AF4E8}" type="presOf" srcId="{5885A5C4-3C2F-45E7-8FDF-08267A4424FC}" destId="{74FC3293-916E-4150-ABC2-46A9CAFBD4E1}" srcOrd="0" destOrd="0" presId="urn:microsoft.com/office/officeart/2009/3/layout/IncreasingArrowsProcess"/>
+    <dgm:cxn modelId="{948A82AE-CAC1-41E7-8BC3-B36781AA0358}" type="presOf" srcId="{3C242284-50C7-4B9D-A866-0CF057E23FB1}" destId="{A44A4C86-F22A-41AB-A79B-E2AD6698B61E}" srcOrd="0" destOrd="0" presId="urn:microsoft.com/office/officeart/2009/3/layout/IncreasingArrowsProcess"/>
+    <dgm:cxn modelId="{3C8C6911-16DD-4708-92B5-171122E7CB28}" srcId="{5885A5C4-3C2F-45E7-8FDF-08267A4424FC}" destId="{B083A370-B684-440C-B12C-B4E71894054A}" srcOrd="0" destOrd="0" parTransId="{FD50D1DC-8D56-412D-B61C-74787E3AE0CA}" sibTransId="{B56CFC12-636B-4F0E-9B81-7279DAA43ED2}"/>
+    <dgm:cxn modelId="{BF988453-6AA9-4057-802F-BA38358B8841}" type="presOf" srcId="{222CCE41-CD7C-4A1C-A492-1640D38FB7C9}" destId="{0CD82B2E-AE47-4AEC-A806-1DEA6AEA6C38}" srcOrd="0" destOrd="0" presId="urn:microsoft.com/office/officeart/2009/3/layout/IncreasingArrowsProcess"/>
+    <dgm:cxn modelId="{7E70EE98-CB15-4E60-B2FA-4C61C7CE290E}" type="presOf" srcId="{492D23AD-5E20-4818-812A-267B87561718}" destId="{C7BEC4EE-6F56-4CAC-B9E2-C2002D9555A5}" srcOrd="0" destOrd="0" presId="urn:microsoft.com/office/officeart/2009/3/layout/IncreasingArrowsProcess"/>
+    <dgm:cxn modelId="{F243B3C6-A317-4A19-8309-5A7C5005475F}" type="presOf" srcId="{9745B43B-A895-4CE2-A82C-01B8A6EC89C0}" destId="{3BD18C96-D45A-4B71-B5B5-B0C6FC55D039}" srcOrd="0" destOrd="0" presId="urn:microsoft.com/office/officeart/2009/3/layout/IncreasingArrowsProcess"/>
+    <dgm:cxn modelId="{6BE0DF05-6402-4AA9-9CC9-EC7A1AE9FB26}" type="presOf" srcId="{B083A370-B684-440C-B12C-B4E71894054A}" destId="{4967F57D-5DA8-4AD5-9546-F790B1E1FA0A}" srcOrd="0" destOrd="0" presId="urn:microsoft.com/office/officeart/2009/3/layout/IncreasingArrowsProcess"/>
+    <dgm:cxn modelId="{6DE37186-D526-4FE1-9401-C2EEB0BE203D}" type="presOf" srcId="{84A6F5A7-5758-48E8-9B7F-CA0F88B37F8A}" destId="{79270A26-50A4-4D55-9ADA-50D6D53B25E5}" srcOrd="0" destOrd="0" presId="urn:microsoft.com/office/officeart/2009/3/layout/IncreasingArrowsProcess"/>
+    <dgm:cxn modelId="{A93EC9CC-4C42-4A0D-919E-FCB709E1243F}" type="presOf" srcId="{630B9A79-0F13-4A68-83A2-350249367D77}" destId="{8EC5CADF-EF7E-4F27-8E65-EA96A7B9A71D}" srcOrd="0" destOrd="0" presId="urn:microsoft.com/office/officeart/2009/3/layout/IncreasingArrowsProcess"/>
+    <dgm:cxn modelId="{93FCD771-C207-4B7C-9984-DB407FD51F52}" type="presOf" srcId="{A9B43EF2-383C-470D-B7F3-05BC1073C854}" destId="{8EB723BB-226C-4D8E-9C8F-3BC6EFCC03FB}" srcOrd="0" destOrd="0" presId="urn:microsoft.com/office/officeart/2009/3/layout/IncreasingArrowsProcess"/>
     <dgm:cxn modelId="{82A24A0E-442C-47BE-AA56-293A72464F5A}" srcId="{D6FA47E8-581E-49CD-8BF2-0C2FC83C6702}" destId="{222CCE41-CD7C-4A1C-A492-1640D38FB7C9}" srcOrd="3" destOrd="0" parTransId="{A499ABCA-9A3B-438C-9D65-A495CA0E6706}" sibTransId="{9E6754DF-F071-4FF3-AAC0-4DD6B5D2280C}"/>
-    <dgm:cxn modelId="{DC0C25C4-775E-41FE-82EF-3A8EC916671B}" type="presOf" srcId="{D6FA47E8-581E-49CD-8BF2-0C2FC83C6702}" destId="{C9937954-5D73-4A53-B904-8B3994A115AB}" srcOrd="0" destOrd="0" presId="urn:microsoft.com/office/officeart/2009/3/layout/IncreasingArrowsProcess"/>
+    <dgm:cxn modelId="{FF2ECC68-9C90-4DF0-A928-3B92CA54ECF3}" srcId="{9745B43B-A895-4CE2-A82C-01B8A6EC89C0}" destId="{84A6F5A7-5758-48E8-9B7F-CA0F88B37F8A}" srcOrd="0" destOrd="0" parTransId="{172A72A1-A0BA-4F4F-B17E-2E2872CB93E4}" sibTransId="{3C12D1CB-9474-468E-99D4-B714E8F4CA64}"/>
+    <dgm:cxn modelId="{067C3729-7CBB-4FFE-86CC-2AA4BE29DC5D}" srcId="{D6FA47E8-581E-49CD-8BF2-0C2FC83C6702}" destId="{5885A5C4-3C2F-45E7-8FDF-08267A4424FC}" srcOrd="4" destOrd="0" parTransId="{04ACBFD8-E5A0-4211-979B-686E0D6BD476}" sibTransId="{9606F468-582C-48C8-8E22-EF5FC461BD33}"/>
+    <dgm:cxn modelId="{B96E5C38-6832-4F25-AE7F-CD46EE7B2060}" srcId="{D6FA47E8-581E-49CD-8BF2-0C2FC83C6702}" destId="{9745B43B-A895-4CE2-A82C-01B8A6EC89C0}" srcOrd="1" destOrd="0" parTransId="{DC320488-346F-4A79-8D71-5C0C94A79279}" sibTransId="{DE6036E3-BD50-46E1-BA82-4EB465A3CF41}"/>
     <dgm:cxn modelId="{6B71FD01-2F2F-41AE-85AE-049E20F85889}" srcId="{222CCE41-CD7C-4A1C-A492-1640D38FB7C9}" destId="{03624C03-41C3-4954-BD35-C9F749B3846D}" srcOrd="0" destOrd="0" parTransId="{36660AB6-62A8-408B-B568-81773DEA2F72}" sibTransId="{FA957721-AF25-4951-9B66-B05D08460A52}"/>
-    <dgm:cxn modelId="{A93EC9CC-4C42-4A0D-919E-FCB709E1243F}" type="presOf" srcId="{630B9A79-0F13-4A68-83A2-350249367D77}" destId="{8EC5CADF-EF7E-4F27-8E65-EA96A7B9A71D}" srcOrd="0" destOrd="0" presId="urn:microsoft.com/office/officeart/2009/3/layout/IncreasingArrowsProcess"/>
-    <dgm:cxn modelId="{067C3729-7CBB-4FFE-86CC-2AA4BE29DC5D}" srcId="{D6FA47E8-581E-49CD-8BF2-0C2FC83C6702}" destId="{5885A5C4-3C2F-45E7-8FDF-08267A4424FC}" srcOrd="4" destOrd="0" parTransId="{04ACBFD8-E5A0-4211-979B-686E0D6BD476}" sibTransId="{9606F468-582C-48C8-8E22-EF5FC461BD33}"/>
-    <dgm:cxn modelId="{F9FEE89B-3206-4245-9C61-5AD4C0AFB9D3}" srcId="{D6FA47E8-581E-49CD-8BF2-0C2FC83C6702}" destId="{A9B43EF2-383C-470D-B7F3-05BC1073C854}" srcOrd="0" destOrd="0" parTransId="{7FBB1A13-D1AE-419D-B60B-0A43A1562DE9}" sibTransId="{68D2ECDC-33C5-477C-BF95-98FBC427614A}"/>
-    <dgm:cxn modelId="{6BE0DF05-6402-4AA9-9CC9-EC7A1AE9FB26}" type="presOf" srcId="{B083A370-B684-440C-B12C-B4E71894054A}" destId="{4967F57D-5DA8-4AD5-9546-F790B1E1FA0A}" srcOrd="0" destOrd="0" presId="urn:microsoft.com/office/officeart/2009/3/layout/IncreasingArrowsProcess"/>
-    <dgm:cxn modelId="{FF2ECC68-9C90-4DF0-A928-3B92CA54ECF3}" srcId="{9745B43B-A895-4CE2-A82C-01B8A6EC89C0}" destId="{84A6F5A7-5758-48E8-9B7F-CA0F88B37F8A}" srcOrd="0" destOrd="0" parTransId="{172A72A1-A0BA-4F4F-B17E-2E2872CB93E4}" sibTransId="{3C12D1CB-9474-468E-99D4-B714E8F4CA64}"/>
-    <dgm:cxn modelId="{BA3EA347-DC15-41A7-B9D8-7858B81AF4E8}" type="presOf" srcId="{5885A5C4-3C2F-45E7-8FDF-08267A4424FC}" destId="{74FC3293-916E-4150-ABC2-46A9CAFBD4E1}" srcOrd="0" destOrd="0" presId="urn:microsoft.com/office/officeart/2009/3/layout/IncreasingArrowsProcess"/>
     <dgm:cxn modelId="{381C926D-8793-41D5-A255-A0790C888E94}" srcId="{3C242284-50C7-4B9D-A866-0CF057E23FB1}" destId="{630B9A79-0F13-4A68-83A2-350249367D77}" srcOrd="0" destOrd="0" parTransId="{C3353706-B7B1-4052-B5A6-D61F90EE0716}" sibTransId="{FFF017B8-5201-452A-A410-AAD1AFAC21F7}"/>
-    <dgm:cxn modelId="{BF988453-6AA9-4057-802F-BA38358B8841}" type="presOf" srcId="{222CCE41-CD7C-4A1C-A492-1640D38FB7C9}" destId="{0CD82B2E-AE47-4AEC-A806-1DEA6AEA6C38}" srcOrd="0" destOrd="0" presId="urn:microsoft.com/office/officeart/2009/3/layout/IncreasingArrowsProcess"/>
-    <dgm:cxn modelId="{3C8C6911-16DD-4708-92B5-171122E7CB28}" srcId="{5885A5C4-3C2F-45E7-8FDF-08267A4424FC}" destId="{B083A370-B684-440C-B12C-B4E71894054A}" srcOrd="0" destOrd="0" parTransId="{FD50D1DC-8D56-412D-B61C-74787E3AE0CA}" sibTransId="{B56CFC12-636B-4F0E-9B81-7279DAA43ED2}"/>
-    <dgm:cxn modelId="{68A4B644-4E46-47A4-A84E-0B5B446F3A65}" type="presOf" srcId="{03624C03-41C3-4954-BD35-C9F749B3846D}" destId="{B0C26EDE-A5A8-46C8-ADB7-848795BE8B1F}" srcOrd="0" destOrd="0" presId="urn:microsoft.com/office/officeart/2009/3/layout/IncreasingArrowsProcess"/>
-    <dgm:cxn modelId="{7E70EE98-CB15-4E60-B2FA-4C61C7CE290E}" type="presOf" srcId="{492D23AD-5E20-4818-812A-267B87561718}" destId="{C7BEC4EE-6F56-4CAC-B9E2-C2002D9555A5}" srcOrd="0" destOrd="0" presId="urn:microsoft.com/office/officeart/2009/3/layout/IncreasingArrowsProcess"/>
-    <dgm:cxn modelId="{93FCD771-C207-4B7C-9984-DB407FD51F52}" type="presOf" srcId="{A9B43EF2-383C-470D-B7F3-05BC1073C854}" destId="{8EB723BB-226C-4D8E-9C8F-3BC6EFCC03FB}" srcOrd="0" destOrd="0" presId="urn:microsoft.com/office/officeart/2009/3/layout/IncreasingArrowsProcess"/>
-    <dgm:cxn modelId="{B96E5C38-6832-4F25-AE7F-CD46EE7B2060}" srcId="{D6FA47E8-581E-49CD-8BF2-0C2FC83C6702}" destId="{9745B43B-A895-4CE2-A82C-01B8A6EC89C0}" srcOrd="1" destOrd="0" parTransId="{DC320488-346F-4A79-8D71-5C0C94A79279}" sibTransId="{DE6036E3-BD50-46E1-BA82-4EB465A3CF41}"/>
     <dgm:cxn modelId="{6407C152-7AA8-450F-A77F-B9EC46EDFF5B}" srcId="{A9B43EF2-383C-470D-B7F3-05BC1073C854}" destId="{492D23AD-5E20-4818-812A-267B87561718}" srcOrd="0" destOrd="0" parTransId="{BBB088A6-4424-4176-A5D7-594034D957DF}" sibTransId="{5466BE19-F37E-4E33-AF16-E2E1FD3C0665}"/>
-    <dgm:cxn modelId="{F243B3C6-A317-4A19-8309-5A7C5005475F}" type="presOf" srcId="{9745B43B-A895-4CE2-A82C-01B8A6EC89C0}" destId="{3BD18C96-D45A-4B71-B5B5-B0C6FC55D039}" srcOrd="0" destOrd="0" presId="urn:microsoft.com/office/officeart/2009/3/layout/IncreasingArrowsProcess"/>
-    <dgm:cxn modelId="{948A82AE-CAC1-41E7-8BC3-B36781AA0358}" type="presOf" srcId="{3C242284-50C7-4B9D-A866-0CF057E23FB1}" destId="{A44A4C86-F22A-41AB-A79B-E2AD6698B61E}" srcOrd="0" destOrd="0" presId="urn:microsoft.com/office/officeart/2009/3/layout/IncreasingArrowsProcess"/>
-    <dgm:cxn modelId="{6DE37186-D526-4FE1-9401-C2EEB0BE203D}" type="presOf" srcId="{84A6F5A7-5758-48E8-9B7F-CA0F88B37F8A}" destId="{79270A26-50A4-4D55-9ADA-50D6D53B25E5}" srcOrd="0" destOrd="0" presId="urn:microsoft.com/office/officeart/2009/3/layout/IncreasingArrowsProcess"/>
     <dgm:cxn modelId="{F5F470B1-9200-4245-98A8-89C4F68BEF54}" type="presParOf" srcId="{C9937954-5D73-4A53-B904-8B3994A115AB}" destId="{8EB723BB-226C-4D8E-9C8F-3BC6EFCC03FB}" srcOrd="0" destOrd="0" presId="urn:microsoft.com/office/officeart/2009/3/layout/IncreasingArrowsProcess"/>
     <dgm:cxn modelId="{6F39EDBB-A9FA-4729-8968-CAD4B96352DA}" type="presParOf" srcId="{C9937954-5D73-4A53-B904-8B3994A115AB}" destId="{C7BEC4EE-6F56-4CAC-B9E2-C2002D9555A5}" srcOrd="1" destOrd="0" presId="urn:microsoft.com/office/officeart/2009/3/layout/IncreasingArrowsProcess"/>
     <dgm:cxn modelId="{E9E51E79-7451-42B0-BB25-0B67C2599F49}" type="presParOf" srcId="{C9937954-5D73-4A53-B904-8B3994A115AB}" destId="{3BD18C96-D45A-4B71-B5B5-B0C6FC55D039}" srcOrd="2" destOrd="0" presId="urn:microsoft.com/office/officeart/2009/3/layout/IncreasingArrowsProcess"/>
@@ -10946,20 +10946,20 @@
     </dgm:pt>
   </dgm:ptLst>
   <dgm:cxnLst>
+    <dgm:cxn modelId="{E55C35F3-3635-4857-92D0-C3D81BD6A208}" srcId="{821F724A-1E74-4F33-85C0-A9660A1C5922}" destId="{D3E8B20B-B886-4D92-9FBF-27748C512725}" srcOrd="1" destOrd="0" parTransId="{4FFCD8AE-B212-499A-B538-6A2403F1D17E}" sibTransId="{A00EBF84-F50B-47A4-B120-37FDB6CFD4A6}"/>
+    <dgm:cxn modelId="{06614E2A-5F47-4C60-891B-9AF97D4C1340}" srcId="{ED5AF5FF-1439-453E-B279-80C8689019C7}" destId="{821F724A-1E74-4F33-85C0-A9660A1C5922}" srcOrd="0" destOrd="0" parTransId="{7341F9CF-A3DF-4850-800D-9B8EFDFDE532}" sibTransId="{BC600B84-E8AF-410E-8EB9-1031DBB31C17}"/>
+    <dgm:cxn modelId="{84B7A2BB-E701-4825-89FF-EED4B4B3309C}" srcId="{821F724A-1E74-4F33-85C0-A9660A1C5922}" destId="{7F14D72B-6427-4A00-9FC5-993A7D83275A}" srcOrd="3" destOrd="0" parTransId="{07BE0466-2A1F-4093-A04F-1C68ACF52E7D}" sibTransId="{2CFDB889-C899-485E-9A4D-68318D5DA9D9}"/>
+    <dgm:cxn modelId="{FA01F152-9C95-4953-89C0-E3E0453141FF}" type="presOf" srcId="{7F14D72B-6427-4A00-9FC5-993A7D83275A}" destId="{7FCF0288-9018-4DA2-A2FB-5D0ADE94DD3A}" srcOrd="0" destOrd="0" presId="urn:microsoft.com/office/officeart/2008/layout/SquareAccentList"/>
+    <dgm:cxn modelId="{B2841893-C35E-40E0-BA73-AD5CD0B280B1}" type="presOf" srcId="{ED5AF5FF-1439-453E-B279-80C8689019C7}" destId="{D8F9E214-F28B-4179-B1CD-FA241914D8E2}" srcOrd="0" destOrd="0" presId="urn:microsoft.com/office/officeart/2008/layout/SquareAccentList"/>
+    <dgm:cxn modelId="{8990A48A-AE84-4F6E-B12C-3414FEE42576}" type="presOf" srcId="{DC401748-27BB-4E45-820B-B649D6ED9540}" destId="{6B0AA2E4-DB3C-4B1C-8168-2A327F2E7EE5}" srcOrd="0" destOrd="0" presId="urn:microsoft.com/office/officeart/2008/layout/SquareAccentList"/>
+    <dgm:cxn modelId="{DE6ABCF4-D0E6-41B9-B1F3-14D8609A41FB}" srcId="{821F724A-1E74-4F33-85C0-A9660A1C5922}" destId="{DC401748-27BB-4E45-820B-B649D6ED9540}" srcOrd="5" destOrd="0" parTransId="{43D46F93-B8E5-4B2D-BB59-F7650CF4D895}" sibTransId="{A2229638-B714-4287-B1F9-8AF5DA358D84}"/>
+    <dgm:cxn modelId="{12E54F39-382E-48E1-BE7A-1CBAD216AEBD}" type="presOf" srcId="{821F724A-1E74-4F33-85C0-A9660A1C5922}" destId="{531E20E0-23D9-4B4F-9352-E5CCF8890C1A}" srcOrd="0" destOrd="0" presId="urn:microsoft.com/office/officeart/2008/layout/SquareAccentList"/>
+    <dgm:cxn modelId="{BA08D5BC-DB42-4557-9F33-A9E836B06223}" srcId="{821F724A-1E74-4F33-85C0-A9660A1C5922}" destId="{5EBED657-C951-4C9E-9B64-BD013632AFC2}" srcOrd="2" destOrd="0" parTransId="{1213574E-E85B-4B4B-BEA3-F7C2410A1668}" sibTransId="{1672AA7E-9207-4977-9E0A-E6EF529E1763}"/>
+    <dgm:cxn modelId="{456E8A73-15B3-4481-A103-B738F5E8CDF5}" srcId="{821F724A-1E74-4F33-85C0-A9660A1C5922}" destId="{D3955DD9-C210-4034-AF51-E3F5FBE593EC}" srcOrd="0" destOrd="0" parTransId="{7CD85B04-760D-4665-82C4-C4FC55944ED9}" sibTransId="{23C22543-BE3D-4446-8123-D99AF96D6F20}"/>
+    <dgm:cxn modelId="{3341425F-F32C-46A6-9B1B-D9F043EC097A}" type="presOf" srcId="{BBF97766-C307-49D6-93C4-F0D4199A3AE9}" destId="{3D267A2A-ECFB-432F-8206-C3FBBC3FCDB1}" srcOrd="0" destOrd="0" presId="urn:microsoft.com/office/officeart/2008/layout/SquareAccentList"/>
+    <dgm:cxn modelId="{E105336A-D4C5-4746-806D-44992A92889C}" type="presOf" srcId="{D3E8B20B-B886-4D92-9FBF-27748C512725}" destId="{35E2468C-1DCF-4CF5-AD81-105AAA1C763A}" srcOrd="0" destOrd="0" presId="urn:microsoft.com/office/officeart/2008/layout/SquareAccentList"/>
+    <dgm:cxn modelId="{FBAE0C79-10E7-4E72-97BA-7021E1C2423D}" type="presOf" srcId="{D3955DD9-C210-4034-AF51-E3F5FBE593EC}" destId="{E0B056A9-9BB5-473E-9539-630B3E9CECE5}" srcOrd="0" destOrd="0" presId="urn:microsoft.com/office/officeart/2008/layout/SquareAccentList"/>
     <dgm:cxn modelId="{C8B5C031-DBEA-42A2-9505-C7B02E8D56F9}" type="presOf" srcId="{5EBED657-C951-4C9E-9B64-BD013632AFC2}" destId="{FBAD7434-1400-42B4-B38D-C41C37B08967}" srcOrd="0" destOrd="0" presId="urn:microsoft.com/office/officeart/2008/layout/SquareAccentList"/>
-    <dgm:cxn modelId="{12E54F39-382E-48E1-BE7A-1CBAD216AEBD}" type="presOf" srcId="{821F724A-1E74-4F33-85C0-A9660A1C5922}" destId="{531E20E0-23D9-4B4F-9352-E5CCF8890C1A}" srcOrd="0" destOrd="0" presId="urn:microsoft.com/office/officeart/2008/layout/SquareAccentList"/>
-    <dgm:cxn modelId="{84B7A2BB-E701-4825-89FF-EED4B4B3309C}" srcId="{821F724A-1E74-4F33-85C0-A9660A1C5922}" destId="{7F14D72B-6427-4A00-9FC5-993A7D83275A}" srcOrd="3" destOrd="0" parTransId="{07BE0466-2A1F-4093-A04F-1C68ACF52E7D}" sibTransId="{2CFDB889-C899-485E-9A4D-68318D5DA9D9}"/>
-    <dgm:cxn modelId="{B2841893-C35E-40E0-BA73-AD5CD0B280B1}" type="presOf" srcId="{ED5AF5FF-1439-453E-B279-80C8689019C7}" destId="{D8F9E214-F28B-4179-B1CD-FA241914D8E2}" srcOrd="0" destOrd="0" presId="urn:microsoft.com/office/officeart/2008/layout/SquareAccentList"/>
-    <dgm:cxn modelId="{DE6ABCF4-D0E6-41B9-B1F3-14D8609A41FB}" srcId="{821F724A-1E74-4F33-85C0-A9660A1C5922}" destId="{DC401748-27BB-4E45-820B-B649D6ED9540}" srcOrd="5" destOrd="0" parTransId="{43D46F93-B8E5-4B2D-BB59-F7650CF4D895}" sibTransId="{A2229638-B714-4287-B1F9-8AF5DA358D84}"/>
-    <dgm:cxn modelId="{E105336A-D4C5-4746-806D-44992A92889C}" type="presOf" srcId="{D3E8B20B-B886-4D92-9FBF-27748C512725}" destId="{35E2468C-1DCF-4CF5-AD81-105AAA1C763A}" srcOrd="0" destOrd="0" presId="urn:microsoft.com/office/officeart/2008/layout/SquareAccentList"/>
-    <dgm:cxn modelId="{BA08D5BC-DB42-4557-9F33-A9E836B06223}" srcId="{821F724A-1E74-4F33-85C0-A9660A1C5922}" destId="{5EBED657-C951-4C9E-9B64-BD013632AFC2}" srcOrd="2" destOrd="0" parTransId="{1213574E-E85B-4B4B-BEA3-F7C2410A1668}" sibTransId="{1672AA7E-9207-4977-9E0A-E6EF529E1763}"/>
-    <dgm:cxn modelId="{06614E2A-5F47-4C60-891B-9AF97D4C1340}" srcId="{ED5AF5FF-1439-453E-B279-80C8689019C7}" destId="{821F724A-1E74-4F33-85C0-A9660A1C5922}" srcOrd="0" destOrd="0" parTransId="{7341F9CF-A3DF-4850-800D-9B8EFDFDE532}" sibTransId="{BC600B84-E8AF-410E-8EB9-1031DBB31C17}"/>
-    <dgm:cxn modelId="{E55C35F3-3635-4857-92D0-C3D81BD6A208}" srcId="{821F724A-1E74-4F33-85C0-A9660A1C5922}" destId="{D3E8B20B-B886-4D92-9FBF-27748C512725}" srcOrd="1" destOrd="0" parTransId="{4FFCD8AE-B212-499A-B538-6A2403F1D17E}" sibTransId="{A00EBF84-F50B-47A4-B120-37FDB6CFD4A6}"/>
-    <dgm:cxn modelId="{3341425F-F32C-46A6-9B1B-D9F043EC097A}" type="presOf" srcId="{BBF97766-C307-49D6-93C4-F0D4199A3AE9}" destId="{3D267A2A-ECFB-432F-8206-C3FBBC3FCDB1}" srcOrd="0" destOrd="0" presId="urn:microsoft.com/office/officeart/2008/layout/SquareAccentList"/>
-    <dgm:cxn modelId="{8990A48A-AE84-4F6E-B12C-3414FEE42576}" type="presOf" srcId="{DC401748-27BB-4E45-820B-B649D6ED9540}" destId="{6B0AA2E4-DB3C-4B1C-8168-2A327F2E7EE5}" srcOrd="0" destOrd="0" presId="urn:microsoft.com/office/officeart/2008/layout/SquareAccentList"/>
-    <dgm:cxn modelId="{FA01F152-9C95-4953-89C0-E3E0453141FF}" type="presOf" srcId="{7F14D72B-6427-4A00-9FC5-993A7D83275A}" destId="{7FCF0288-9018-4DA2-A2FB-5D0ADE94DD3A}" srcOrd="0" destOrd="0" presId="urn:microsoft.com/office/officeart/2008/layout/SquareAccentList"/>
-    <dgm:cxn modelId="{FBAE0C79-10E7-4E72-97BA-7021E1C2423D}" type="presOf" srcId="{D3955DD9-C210-4034-AF51-E3F5FBE593EC}" destId="{E0B056A9-9BB5-473E-9539-630B3E9CECE5}" srcOrd="0" destOrd="0" presId="urn:microsoft.com/office/officeart/2008/layout/SquareAccentList"/>
-    <dgm:cxn modelId="{456E8A73-15B3-4481-A103-B738F5E8CDF5}" srcId="{821F724A-1E74-4F33-85C0-A9660A1C5922}" destId="{D3955DD9-C210-4034-AF51-E3F5FBE593EC}" srcOrd="0" destOrd="0" parTransId="{7CD85B04-760D-4665-82C4-C4FC55944ED9}" sibTransId="{23C22543-BE3D-4446-8123-D99AF96D6F20}"/>
     <dgm:cxn modelId="{6D30681B-6A69-4F29-B1D3-DA040BB90512}" srcId="{821F724A-1E74-4F33-85C0-A9660A1C5922}" destId="{BBF97766-C307-49D6-93C4-F0D4199A3AE9}" srcOrd="4" destOrd="0" parTransId="{E8BCA929-30F4-4861-888B-FFF0A39AA105}" sibTransId="{2A01CBAC-B6EE-49DD-8AA7-BE4967487686}"/>
     <dgm:cxn modelId="{84989687-E7A5-4194-B47A-CA5C7311ADC4}" type="presParOf" srcId="{D8F9E214-F28B-4179-B1CD-FA241914D8E2}" destId="{3797417F-D0F3-4704-A5E1-1E0D8218EF37}" srcOrd="0" destOrd="0" presId="urn:microsoft.com/office/officeart/2008/layout/SquareAccentList"/>
     <dgm:cxn modelId="{23262BCE-52A4-469F-999F-8C8021CF0E36}" type="presParOf" srcId="{3797417F-D0F3-4704-A5E1-1E0D8218EF37}" destId="{70C02842-98CF-41EA-8989-F53AB3E42A32}" srcOrd="0" destOrd="0" presId="urn:microsoft.com/office/officeart/2008/layout/SquareAccentList"/>
@@ -11240,13 +11240,8 @@
           </a:r>
           <a:r>
             <a:rPr lang="es-PE" sz="1800" dirty="0" smtClean="0"/>
-            <a:t>  </a:t>
+            <a:t>  Cecilia Villacorta</a:t>
           </a:r>
-          <a:r>
-            <a:rPr lang="es-PE" sz="1800" dirty="0" smtClean="0"/>
-            <a:t>Cecilia Villacorta</a:t>
-          </a:r>
-          <a:endParaRPr lang="es-PE" sz="1800" dirty="0" smtClean="0"/>
         </a:p>
         <a:p>
           <a:pPr algn="just"/>
@@ -12404,8 +12399,8 @@
   <dgm:cxnLst>
     <dgm:cxn modelId="{FC66E20D-172C-498D-B40A-67FAA09212EA}" type="presOf" srcId="{9CE071A8-4828-4BBA-8539-A7250C6564F7}" destId="{8E75D1AB-AB9E-4437-9E6B-0F8E0BF693E1}" srcOrd="0" destOrd="0" presId="urn:microsoft.com/office/officeart/2005/8/layout/chevron1"/>
     <dgm:cxn modelId="{94A556CC-DB2E-4EC0-B526-F9BC08BA7032}" srcId="{1E69C752-FFB3-443C-87E0-F9B0295401B1}" destId="{9CE071A8-4828-4BBA-8539-A7250C6564F7}" srcOrd="0" destOrd="0" parTransId="{52D995F5-3395-4ECB-9CFC-C465B420EBDC}" sibTransId="{5230C054-1279-4270-918B-48387250C601}"/>
+    <dgm:cxn modelId="{2302C2DA-8CAE-48C8-BD37-CE2D02BE1003}" type="presOf" srcId="{1E69C752-FFB3-443C-87E0-F9B0295401B1}" destId="{F6DB34E1-6FA1-40B8-9E7F-F7FE7A8E2231}" srcOrd="0" destOrd="0" presId="urn:microsoft.com/office/officeart/2005/8/layout/chevron1"/>
     <dgm:cxn modelId="{73B9827E-628A-4F87-93BF-655275D0ACAC}" type="presOf" srcId="{8DD0647D-4D0F-4902-9F01-5E5D9F891374}" destId="{2CA60F9B-8AAF-4DC9-B371-F6896AEC6247}" srcOrd="0" destOrd="0" presId="urn:microsoft.com/office/officeart/2005/8/layout/chevron1"/>
-    <dgm:cxn modelId="{2302C2DA-8CAE-48C8-BD37-CE2D02BE1003}" type="presOf" srcId="{1E69C752-FFB3-443C-87E0-F9B0295401B1}" destId="{F6DB34E1-6FA1-40B8-9E7F-F7FE7A8E2231}" srcOrd="0" destOrd="0" presId="urn:microsoft.com/office/officeart/2005/8/layout/chevron1"/>
     <dgm:cxn modelId="{CA78CC69-948A-4F38-B9F1-1B7D08388364}" srcId="{1E69C752-FFB3-443C-87E0-F9B0295401B1}" destId="{8DD0647D-4D0F-4902-9F01-5E5D9F891374}" srcOrd="1" destOrd="0" parTransId="{E8AADB18-8D44-4D9A-97B7-FF714AA32059}" sibTransId="{830E21FF-A2E2-41AD-9326-09566F28D649}"/>
     <dgm:cxn modelId="{9E7C571B-AC2D-4761-8BE7-4C950E0DFEA0}" type="presParOf" srcId="{F6DB34E1-6FA1-40B8-9E7F-F7FE7A8E2231}" destId="{8E75D1AB-AB9E-4437-9E6B-0F8E0BF693E1}" srcOrd="0" destOrd="0" presId="urn:microsoft.com/office/officeart/2005/8/layout/chevron1"/>
     <dgm:cxn modelId="{D2FAA80C-04F5-49A6-93D7-ACCA956013AF}" type="presParOf" srcId="{F6DB34E1-6FA1-40B8-9E7F-F7FE7A8E2231}" destId="{16EE4375-E80B-40E3-9FA4-CCB560C66959}" srcOrd="1" destOrd="0" presId="urn:microsoft.com/office/officeart/2005/8/layout/chevron1"/>
@@ -17382,13 +17377,8 @@
           </a:r>
           <a:r>
             <a:rPr lang="es-PE" sz="1800" kern="1200" dirty="0" smtClean="0"/>
-            <a:t>  </a:t>
+            <a:t>  Cecilia Villacorta</a:t>
           </a:r>
-          <a:r>
-            <a:rPr lang="es-PE" sz="1800" kern="1200" dirty="0" smtClean="0"/>
-            <a:t>Cecilia Villacorta</a:t>
-          </a:r>
-          <a:endParaRPr lang="es-PE" sz="1800" kern="1200" dirty="0" smtClean="0"/>
         </a:p>
         <a:p>
           <a:pPr lvl="0" algn="just" defTabSz="800100">
@@ -38938,7 +38928,7 @@
         </p:nvSpPr>
         <p:spPr>
           <a:xfrm>
-            <a:off x="683568" y="116632"/>
+            <a:off x="683568" y="562670"/>
             <a:ext cx="7560840" cy="922114"/>
           </a:xfrm>
           <a:prstGeom prst="rect">
@@ -45775,7 +45765,7 @@
       </p:graphicFrame>
       <p:sp>
         <p:nvSpPr>
-          <p:cNvPr id="7" name="1 Título"/>
+          <p:cNvPr id="8" name="1 Título"/>
           <p:cNvSpPr txBox="1">
             <a:spLocks/>
           </p:cNvSpPr>
@@ -45783,7 +45773,7 @@
         </p:nvSpPr>
         <p:spPr>
           <a:xfrm>
-            <a:off x="683568" y="116632"/>
+            <a:off x="683568" y="562670"/>
             <a:ext cx="7560840" cy="922114"/>
           </a:xfrm>
           <a:prstGeom prst="rect">
@@ -48564,7 +48554,7 @@
         <p:spPr>
           <a:xfrm>
             <a:off x="827584" y="1700808"/>
-            <a:ext cx="6768752" cy="4846848"/>
+            <a:ext cx="7344816" cy="4846848"/>
           </a:xfrm>
           <a:noFill/>
         </p:spPr>
@@ -48574,7 +48564,7 @@
           </a:bodyPr>
           <a:lstStyle/>
           <a:p>
-            <a:pPr marL="514350" indent="-514350">
+            <a:pPr marL="514350" indent="-514350" algn="just">
               <a:lnSpc>
                 <a:spcPct val="150000"/>
               </a:lnSpc>
@@ -48590,7 +48580,7 @@
             </a:r>
           </a:p>
           <a:p>
-            <a:pPr marL="514350" indent="-514350">
+            <a:pPr marL="514350" indent="-514350" algn="just">
               <a:lnSpc>
                 <a:spcPct val="150000"/>
               </a:lnSpc>
@@ -48599,10 +48589,11 @@
             <a:endParaRPr lang="es-PE" sz="2000" dirty="0"/>
           </a:p>
           <a:p>
-            <a:pPr marL="514350" indent="-514350">
+            <a:pPr marL="514350" indent="-514350" algn="just">
               <a:lnSpc>
                 <a:spcPct val="150000"/>
               </a:lnSpc>
+              <a:buFont typeface="+mj-lt"/>
               <a:buAutoNum type="arabicPeriod"/>
             </a:pPr>
             <a:r>
@@ -48627,7 +48618,7 @@
             </a:r>
           </a:p>
           <a:p>
-            <a:pPr marL="514350" indent="-514350">
+            <a:pPr marL="514350" indent="-514350" algn="just">
               <a:lnSpc>
                 <a:spcPct val="150000"/>
               </a:lnSpc>
@@ -48636,7 +48627,7 @@
             <a:endParaRPr lang="es-PE" sz="2000" dirty="0"/>
           </a:p>
           <a:p>
-            <a:pPr marL="514350" indent="-514350">
+            <a:pPr marL="514350" indent="-514350" algn="just">
               <a:lnSpc>
                 <a:spcPct val="150000"/>
               </a:lnSpc>
@@ -48664,7 +48655,7 @@
             </a:r>
           </a:p>
           <a:p>
-            <a:pPr marL="514350" indent="-514350">
+            <a:pPr marL="514350" indent="-514350" algn="just">
               <a:lnSpc>
                 <a:spcPct val="150000"/>
               </a:lnSpc>
@@ -48673,7 +48664,7 @@
             <a:endParaRPr lang="es-PE" sz="2000" dirty="0"/>
           </a:p>
           <a:p>
-            <a:pPr marL="514350" indent="-514350">
+            <a:pPr marL="514350" indent="-514350" algn="just">
               <a:lnSpc>
                 <a:spcPct val="150000"/>
               </a:lnSpc>
